--- a/簡報1.pptx
+++ b/簡報1.pptx
@@ -8,6 +8,7 @@
     <p:sldId id="256" r:id="rId2"/>
     <p:sldId id="257" r:id="rId3"/>
     <p:sldId id="258" r:id="rId4"/>
+    <p:sldId id="259" r:id="rId5"/>
   </p:sldIdLst>
   <p:sldSz cx="12192000" cy="6858000"/>
   <p:notesSz cx="6858000" cy="9144000"/>
@@ -106,6 +107,11 @@
       </a:defRPr>
     </a:lvl9pPr>
   </p:defaultTextStyle>
+  <p:extLst>
+    <p:ext uri="{EFAFB233-063F-42B5-8137-9DF3F51BA10A}">
+      <p15:sldGuideLst xmlns:p15="http://schemas.microsoft.com/office/powerpoint/2012/main"/>
+    </p:ext>
+  </p:extLst>
 </p:presentation>
 </file>
 
@@ -256,7 +262,7 @@
           <a:p>
             <a:fld id="{D5E09C7E-D327-475A-BC27-EF40A9C981F8}" type="datetimeFigureOut">
               <a:rPr lang="zh-TW" altLang="en-US" smtClean="0"/>
-              <a:t>2025/6/5</a:t>
+              <a:t>2025/6/6</a:t>
             </a:fld>
             <a:endParaRPr lang="zh-TW" altLang="en-US"/>
           </a:p>
@@ -454,7 +460,7 @@
           <a:p>
             <a:fld id="{D5E09C7E-D327-475A-BC27-EF40A9C981F8}" type="datetimeFigureOut">
               <a:rPr lang="zh-TW" altLang="en-US" smtClean="0"/>
-              <a:t>2025/6/5</a:t>
+              <a:t>2025/6/6</a:t>
             </a:fld>
             <a:endParaRPr lang="zh-TW" altLang="en-US"/>
           </a:p>
@@ -662,7 +668,7 @@
           <a:p>
             <a:fld id="{D5E09C7E-D327-475A-BC27-EF40A9C981F8}" type="datetimeFigureOut">
               <a:rPr lang="zh-TW" altLang="en-US" smtClean="0"/>
-              <a:t>2025/6/5</a:t>
+              <a:t>2025/6/6</a:t>
             </a:fld>
             <a:endParaRPr lang="zh-TW" altLang="en-US"/>
           </a:p>
@@ -860,7 +866,7 @@
           <a:p>
             <a:fld id="{D5E09C7E-D327-475A-BC27-EF40A9C981F8}" type="datetimeFigureOut">
               <a:rPr lang="zh-TW" altLang="en-US" smtClean="0"/>
-              <a:t>2025/6/5</a:t>
+              <a:t>2025/6/6</a:t>
             </a:fld>
             <a:endParaRPr lang="zh-TW" altLang="en-US"/>
           </a:p>
@@ -1135,7 +1141,7 @@
           <a:p>
             <a:fld id="{D5E09C7E-D327-475A-BC27-EF40A9C981F8}" type="datetimeFigureOut">
               <a:rPr lang="zh-TW" altLang="en-US" smtClean="0"/>
-              <a:t>2025/6/5</a:t>
+              <a:t>2025/6/6</a:t>
             </a:fld>
             <a:endParaRPr lang="zh-TW" altLang="en-US"/>
           </a:p>
@@ -1400,7 +1406,7 @@
           <a:p>
             <a:fld id="{D5E09C7E-D327-475A-BC27-EF40A9C981F8}" type="datetimeFigureOut">
               <a:rPr lang="zh-TW" altLang="en-US" smtClean="0"/>
-              <a:t>2025/6/5</a:t>
+              <a:t>2025/6/6</a:t>
             </a:fld>
             <a:endParaRPr lang="zh-TW" altLang="en-US"/>
           </a:p>
@@ -1812,7 +1818,7 @@
           <a:p>
             <a:fld id="{D5E09C7E-D327-475A-BC27-EF40A9C981F8}" type="datetimeFigureOut">
               <a:rPr lang="zh-TW" altLang="en-US" smtClean="0"/>
-              <a:t>2025/6/5</a:t>
+              <a:t>2025/6/6</a:t>
             </a:fld>
             <a:endParaRPr lang="zh-TW" altLang="en-US"/>
           </a:p>
@@ -1953,7 +1959,7 @@
           <a:p>
             <a:fld id="{D5E09C7E-D327-475A-BC27-EF40A9C981F8}" type="datetimeFigureOut">
               <a:rPr lang="zh-TW" altLang="en-US" smtClean="0"/>
-              <a:t>2025/6/5</a:t>
+              <a:t>2025/6/6</a:t>
             </a:fld>
             <a:endParaRPr lang="zh-TW" altLang="en-US"/>
           </a:p>
@@ -2066,7 +2072,7 @@
           <a:p>
             <a:fld id="{D5E09C7E-D327-475A-BC27-EF40A9C981F8}" type="datetimeFigureOut">
               <a:rPr lang="zh-TW" altLang="en-US" smtClean="0"/>
-              <a:t>2025/6/5</a:t>
+              <a:t>2025/6/6</a:t>
             </a:fld>
             <a:endParaRPr lang="zh-TW" altLang="en-US"/>
           </a:p>
@@ -2377,7 +2383,7 @@
           <a:p>
             <a:fld id="{D5E09C7E-D327-475A-BC27-EF40A9C981F8}" type="datetimeFigureOut">
               <a:rPr lang="zh-TW" altLang="en-US" smtClean="0"/>
-              <a:t>2025/6/5</a:t>
+              <a:t>2025/6/6</a:t>
             </a:fld>
             <a:endParaRPr lang="zh-TW" altLang="en-US"/>
           </a:p>
@@ -2665,7 +2671,7 @@
           <a:p>
             <a:fld id="{D5E09C7E-D327-475A-BC27-EF40A9C981F8}" type="datetimeFigureOut">
               <a:rPr lang="zh-TW" altLang="en-US" smtClean="0"/>
-              <a:t>2025/6/5</a:t>
+              <a:t>2025/6/6</a:t>
             </a:fld>
             <a:endParaRPr lang="zh-TW" altLang="en-US"/>
           </a:p>
@@ -2906,7 +2912,7 @@
           <a:p>
             <a:fld id="{D5E09C7E-D327-475A-BC27-EF40A9C981F8}" type="datetimeFigureOut">
               <a:rPr lang="zh-TW" altLang="en-US" smtClean="0"/>
-              <a:t>2025/6/5</a:t>
+              <a:t>2025/6/6</a:t>
             </a:fld>
             <a:endParaRPr lang="zh-TW" altLang="en-US"/>
           </a:p>
@@ -3728,6 +3734,118 @@
 </p:sld>
 </file>
 
+<file path=ppt/slides/slide4.xml><?xml version="1.0" encoding="utf-8"?>
+<p:sld xmlns:a="http://schemas.openxmlformats.org/drawingml/2006/main" xmlns:r="http://schemas.openxmlformats.org/officeDocument/2006/relationships" xmlns:p="http://schemas.openxmlformats.org/presentationml/2006/main">
+  <p:cSld>
+    <p:spTree>
+      <p:nvGrpSpPr>
+        <p:cNvPr id="1" name="">
+          <a:extLst>
+            <a:ext uri="{FF2B5EF4-FFF2-40B4-BE49-F238E27FC236}">
+              <a16:creationId xmlns:a16="http://schemas.microsoft.com/office/drawing/2014/main" id="{B3B3388F-7D78-FA4A-A317-AD4AC5679191}"/>
+            </a:ext>
+          </a:extLst>
+        </p:cNvPr>
+        <p:cNvGrpSpPr/>
+        <p:nvPr/>
+      </p:nvGrpSpPr>
+      <p:grpSpPr>
+        <a:xfrm>
+          <a:off x="0" y="0"/>
+          <a:ext cx="0" cy="0"/>
+          <a:chOff x="0" y="0"/>
+          <a:chExt cx="0" cy="0"/>
+        </a:xfrm>
+      </p:grpSpPr>
+      <p:pic>
+        <p:nvPicPr>
+          <p:cNvPr id="5" name="圖片 4">
+            <a:extLst>
+              <a:ext uri="{FF2B5EF4-FFF2-40B4-BE49-F238E27FC236}">
+                <a16:creationId xmlns:a16="http://schemas.microsoft.com/office/drawing/2014/main" id="{4F752530-F10E-0977-6EE4-1D0CB523BC9A}"/>
+              </a:ext>
+            </a:extLst>
+          </p:cNvPr>
+          <p:cNvPicPr>
+            <a:picLocks noChangeAspect="1"/>
+          </p:cNvPicPr>
+          <p:nvPr/>
+        </p:nvPicPr>
+        <p:blipFill>
+          <a:blip r:embed="rId2"/>
+          <a:stretch>
+            <a:fillRect/>
+          </a:stretch>
+        </p:blipFill>
+        <p:spPr>
+          <a:xfrm>
+            <a:off x="2667000" y="0"/>
+            <a:ext cx="6858000" cy="6858000"/>
+          </a:xfrm>
+          <a:prstGeom prst="rect">
+            <a:avLst/>
+          </a:prstGeom>
+        </p:spPr>
+      </p:pic>
+      <p:sp>
+        <p:nvSpPr>
+          <p:cNvPr id="7" name="文字方塊 6">
+            <a:extLst>
+              <a:ext uri="{FF2B5EF4-FFF2-40B4-BE49-F238E27FC236}">
+                <a16:creationId xmlns:a16="http://schemas.microsoft.com/office/drawing/2014/main" id="{9C791AAB-E31C-05E1-99AC-B460A35E5C8C}"/>
+              </a:ext>
+            </a:extLst>
+          </p:cNvPr>
+          <p:cNvSpPr txBox="1"/>
+          <p:nvPr/>
+        </p:nvSpPr>
+        <p:spPr>
+          <a:xfrm>
+            <a:off x="3333749" y="3892250"/>
+            <a:ext cx="3467100" cy="369332"/>
+          </a:xfrm>
+          <a:prstGeom prst="rect">
+            <a:avLst/>
+          </a:prstGeom>
+          <a:noFill/>
+        </p:spPr>
+        <p:txBody>
+          <a:bodyPr wrap="square">
+            <a:spAutoFit/>
+          </a:bodyPr>
+          <a:lstStyle/>
+          <a:p>
+            <a:pPr algn="ctr">
+              <a:spcAft>
+                <a:spcPts val="900"/>
+              </a:spcAft>
+            </a:pPr>
+            <a:r>
+              <a:rPr lang="en-US" altLang="zh-TW" b="1" i="1" dirty="0">
+                <a:solidFill>
+                  <a:schemeClr val="bg1"/>
+                </a:solidFill>
+                <a:effectLst/>
+                <a:latin typeface="Modern No. 20" panose="02070704070505020303" pitchFamily="18" charset="0"/>
+              </a:rPr>
+              <a:t>IN Cubed international</a:t>
+            </a:r>
+          </a:p>
+        </p:txBody>
+      </p:sp>
+    </p:spTree>
+    <p:extLst>
+      <p:ext uri="{BB962C8B-B14F-4D97-AF65-F5344CB8AC3E}">
+        <p14:creationId xmlns:p14="http://schemas.microsoft.com/office/powerpoint/2010/main" val="4269612340"/>
+      </p:ext>
+    </p:extLst>
+  </p:cSld>
+  <p:clrMapOvr>
+    <a:masterClrMapping/>
+  </p:clrMapOvr>
+</p:sld>
+</file>
+
 <file path=ppt/theme/theme1.xml><?xml version="1.0" encoding="utf-8"?>
 <a:theme xmlns:a="http://schemas.openxmlformats.org/drawingml/2006/main" name="Office 佈景主題">
   <a:themeElements>

--- a/簡報1.pptx
+++ b/簡報1.pptx
@@ -3787,52 +3787,6 @@
           </a:prstGeom>
         </p:spPr>
       </p:pic>
-      <p:sp>
-        <p:nvSpPr>
-          <p:cNvPr id="7" name="文字方塊 6">
-            <a:extLst>
-              <a:ext uri="{FF2B5EF4-FFF2-40B4-BE49-F238E27FC236}">
-                <a16:creationId xmlns:a16="http://schemas.microsoft.com/office/drawing/2014/main" id="{9C791AAB-E31C-05E1-99AC-B460A35E5C8C}"/>
-              </a:ext>
-            </a:extLst>
-          </p:cNvPr>
-          <p:cNvSpPr txBox="1"/>
-          <p:nvPr/>
-        </p:nvSpPr>
-        <p:spPr>
-          <a:xfrm>
-            <a:off x="3333749" y="3892250"/>
-            <a:ext cx="3467100" cy="369332"/>
-          </a:xfrm>
-          <a:prstGeom prst="rect">
-            <a:avLst/>
-          </a:prstGeom>
-          <a:noFill/>
-        </p:spPr>
-        <p:txBody>
-          <a:bodyPr wrap="square">
-            <a:spAutoFit/>
-          </a:bodyPr>
-          <a:lstStyle/>
-          <a:p>
-            <a:pPr algn="ctr">
-              <a:spcAft>
-                <a:spcPts val="900"/>
-              </a:spcAft>
-            </a:pPr>
-            <a:r>
-              <a:rPr lang="en-US" altLang="zh-TW" b="1" i="1" dirty="0">
-                <a:solidFill>
-                  <a:schemeClr val="bg1"/>
-                </a:solidFill>
-                <a:effectLst/>
-                <a:latin typeface="Modern No. 20" panose="02070704070505020303" pitchFamily="18" charset="0"/>
-              </a:rPr>
-              <a:t>IN Cubed international</a:t>
-            </a:r>
-          </a:p>
-        </p:txBody>
-      </p:sp>
     </p:spTree>
     <p:extLst>
       <p:ext uri="{BB962C8B-B14F-4D97-AF65-F5344CB8AC3E}">

--- a/簡報1.pptx
+++ b/簡報1.pptx
@@ -9,6 +9,8 @@
     <p:sldId id="257" r:id="rId3"/>
     <p:sldId id="258" r:id="rId4"/>
     <p:sldId id="259" r:id="rId5"/>
+    <p:sldId id="260" r:id="rId6"/>
+    <p:sldId id="261" r:id="rId7"/>
   </p:sldIdLst>
   <p:sldSz cx="12192000" cy="6858000"/>
   <p:notesSz cx="6858000" cy="9144000"/>
@@ -262,7 +264,7 @@
           <a:p>
             <a:fld id="{D5E09C7E-D327-475A-BC27-EF40A9C981F8}" type="datetimeFigureOut">
               <a:rPr lang="zh-TW" altLang="en-US" smtClean="0"/>
-              <a:t>2025/6/6</a:t>
+              <a:t>2025/6/14</a:t>
             </a:fld>
             <a:endParaRPr lang="zh-TW" altLang="en-US"/>
           </a:p>
@@ -460,7 +462,7 @@
           <a:p>
             <a:fld id="{D5E09C7E-D327-475A-BC27-EF40A9C981F8}" type="datetimeFigureOut">
               <a:rPr lang="zh-TW" altLang="en-US" smtClean="0"/>
-              <a:t>2025/6/6</a:t>
+              <a:t>2025/6/14</a:t>
             </a:fld>
             <a:endParaRPr lang="zh-TW" altLang="en-US"/>
           </a:p>
@@ -668,7 +670,7 @@
           <a:p>
             <a:fld id="{D5E09C7E-D327-475A-BC27-EF40A9C981F8}" type="datetimeFigureOut">
               <a:rPr lang="zh-TW" altLang="en-US" smtClean="0"/>
-              <a:t>2025/6/6</a:t>
+              <a:t>2025/6/14</a:t>
             </a:fld>
             <a:endParaRPr lang="zh-TW" altLang="en-US"/>
           </a:p>
@@ -866,7 +868,7 @@
           <a:p>
             <a:fld id="{D5E09C7E-D327-475A-BC27-EF40A9C981F8}" type="datetimeFigureOut">
               <a:rPr lang="zh-TW" altLang="en-US" smtClean="0"/>
-              <a:t>2025/6/6</a:t>
+              <a:t>2025/6/14</a:t>
             </a:fld>
             <a:endParaRPr lang="zh-TW" altLang="en-US"/>
           </a:p>
@@ -1141,7 +1143,7 @@
           <a:p>
             <a:fld id="{D5E09C7E-D327-475A-BC27-EF40A9C981F8}" type="datetimeFigureOut">
               <a:rPr lang="zh-TW" altLang="en-US" smtClean="0"/>
-              <a:t>2025/6/6</a:t>
+              <a:t>2025/6/14</a:t>
             </a:fld>
             <a:endParaRPr lang="zh-TW" altLang="en-US"/>
           </a:p>
@@ -1406,7 +1408,7 @@
           <a:p>
             <a:fld id="{D5E09C7E-D327-475A-BC27-EF40A9C981F8}" type="datetimeFigureOut">
               <a:rPr lang="zh-TW" altLang="en-US" smtClean="0"/>
-              <a:t>2025/6/6</a:t>
+              <a:t>2025/6/14</a:t>
             </a:fld>
             <a:endParaRPr lang="zh-TW" altLang="en-US"/>
           </a:p>
@@ -1818,7 +1820,7 @@
           <a:p>
             <a:fld id="{D5E09C7E-D327-475A-BC27-EF40A9C981F8}" type="datetimeFigureOut">
               <a:rPr lang="zh-TW" altLang="en-US" smtClean="0"/>
-              <a:t>2025/6/6</a:t>
+              <a:t>2025/6/14</a:t>
             </a:fld>
             <a:endParaRPr lang="zh-TW" altLang="en-US"/>
           </a:p>
@@ -1959,7 +1961,7 @@
           <a:p>
             <a:fld id="{D5E09C7E-D327-475A-BC27-EF40A9C981F8}" type="datetimeFigureOut">
               <a:rPr lang="zh-TW" altLang="en-US" smtClean="0"/>
-              <a:t>2025/6/6</a:t>
+              <a:t>2025/6/14</a:t>
             </a:fld>
             <a:endParaRPr lang="zh-TW" altLang="en-US"/>
           </a:p>
@@ -2072,7 +2074,7 @@
           <a:p>
             <a:fld id="{D5E09C7E-D327-475A-BC27-EF40A9C981F8}" type="datetimeFigureOut">
               <a:rPr lang="zh-TW" altLang="en-US" smtClean="0"/>
-              <a:t>2025/6/6</a:t>
+              <a:t>2025/6/14</a:t>
             </a:fld>
             <a:endParaRPr lang="zh-TW" altLang="en-US"/>
           </a:p>
@@ -2383,7 +2385,7 @@
           <a:p>
             <a:fld id="{D5E09C7E-D327-475A-BC27-EF40A9C981F8}" type="datetimeFigureOut">
               <a:rPr lang="zh-TW" altLang="en-US" smtClean="0"/>
-              <a:t>2025/6/6</a:t>
+              <a:t>2025/6/14</a:t>
             </a:fld>
             <a:endParaRPr lang="zh-TW" altLang="en-US"/>
           </a:p>
@@ -2671,7 +2673,7 @@
           <a:p>
             <a:fld id="{D5E09C7E-D327-475A-BC27-EF40A9C981F8}" type="datetimeFigureOut">
               <a:rPr lang="zh-TW" altLang="en-US" smtClean="0"/>
-              <a:t>2025/6/6</a:t>
+              <a:t>2025/6/14</a:t>
             </a:fld>
             <a:endParaRPr lang="zh-TW" altLang="en-US"/>
           </a:p>
@@ -2912,7 +2914,7 @@
           <a:p>
             <a:fld id="{D5E09C7E-D327-475A-BC27-EF40A9C981F8}" type="datetimeFigureOut">
               <a:rPr lang="zh-TW" altLang="en-US" smtClean="0"/>
-              <a:t>2025/6/6</a:t>
+              <a:t>2025/6/14</a:t>
             </a:fld>
             <a:endParaRPr lang="zh-TW" altLang="en-US"/>
           </a:p>
@@ -3800,6 +3802,467 @@
 </p:sld>
 </file>
 
+<file path=ppt/slides/slide5.xml><?xml version="1.0" encoding="utf-8"?>
+<p:sld xmlns:a="http://schemas.openxmlformats.org/drawingml/2006/main" xmlns:r="http://schemas.openxmlformats.org/officeDocument/2006/relationships" xmlns:p="http://schemas.openxmlformats.org/presentationml/2006/main">
+  <p:cSld>
+    <p:spTree>
+      <p:nvGrpSpPr>
+        <p:cNvPr id="1" name="">
+          <a:extLst>
+            <a:ext uri="{FF2B5EF4-FFF2-40B4-BE49-F238E27FC236}">
+              <a16:creationId xmlns:a16="http://schemas.microsoft.com/office/drawing/2014/main" id="{94CFFBF5-BB9B-AA80-6239-A15C22DDB07A}"/>
+            </a:ext>
+          </a:extLst>
+        </p:cNvPr>
+        <p:cNvGrpSpPr/>
+        <p:nvPr/>
+      </p:nvGrpSpPr>
+      <p:grpSpPr>
+        <a:xfrm>
+          <a:off x="0" y="0"/>
+          <a:ext cx="0" cy="0"/>
+          <a:chOff x="0" y="0"/>
+          <a:chExt cx="0" cy="0"/>
+        </a:xfrm>
+      </p:grpSpPr>
+      <p:pic>
+        <p:nvPicPr>
+          <p:cNvPr id="5" name="圖片 4">
+            <a:extLst>
+              <a:ext uri="{FF2B5EF4-FFF2-40B4-BE49-F238E27FC236}">
+                <a16:creationId xmlns:a16="http://schemas.microsoft.com/office/drawing/2014/main" id="{CD7B0EA6-1371-D808-2A8A-ADEB97B02F9D}"/>
+              </a:ext>
+            </a:extLst>
+          </p:cNvPr>
+          <p:cNvPicPr>
+            <a:picLocks noChangeAspect="1"/>
+          </p:cNvPicPr>
+          <p:nvPr/>
+        </p:nvPicPr>
+        <p:blipFill>
+          <a:blip r:embed="rId2"/>
+          <a:stretch>
+            <a:fillRect/>
+          </a:stretch>
+        </p:blipFill>
+        <p:spPr>
+          <a:xfrm>
+            <a:off x="2468880" y="0"/>
+            <a:ext cx="6858000" cy="6858000"/>
+          </a:xfrm>
+          <a:prstGeom prst="rect">
+            <a:avLst/>
+          </a:prstGeom>
+        </p:spPr>
+      </p:pic>
+      <p:pic>
+        <p:nvPicPr>
+          <p:cNvPr id="3" name="圖片 2">
+            <a:extLst>
+              <a:ext uri="{FF2B5EF4-FFF2-40B4-BE49-F238E27FC236}">
+                <a16:creationId xmlns:a16="http://schemas.microsoft.com/office/drawing/2014/main" id="{817916B8-83EF-06A3-415F-3E665E0CBDCD}"/>
+              </a:ext>
+            </a:extLst>
+          </p:cNvPr>
+          <p:cNvPicPr>
+            <a:picLocks noChangeAspect="1"/>
+          </p:cNvPicPr>
+          <p:nvPr/>
+        </p:nvPicPr>
+        <p:blipFill>
+          <a:blip r:embed="rId3"/>
+          <a:stretch>
+            <a:fillRect/>
+          </a:stretch>
+        </p:blipFill>
+        <p:spPr>
+          <a:xfrm>
+            <a:off x="4031644" y="4245859"/>
+            <a:ext cx="1160116" cy="595223"/>
+          </a:xfrm>
+          <a:prstGeom prst="rect">
+            <a:avLst/>
+          </a:prstGeom>
+        </p:spPr>
+      </p:pic>
+      <p:sp>
+        <p:nvSpPr>
+          <p:cNvPr id="4" name="矩形 3">
+            <a:extLst>
+              <a:ext uri="{FF2B5EF4-FFF2-40B4-BE49-F238E27FC236}">
+                <a16:creationId xmlns:a16="http://schemas.microsoft.com/office/drawing/2014/main" id="{3F4780B3-C479-85D8-E428-033DEC4CF291}"/>
+              </a:ext>
+            </a:extLst>
+          </p:cNvPr>
+          <p:cNvSpPr/>
+          <p:nvPr/>
+        </p:nvSpPr>
+        <p:spPr>
+          <a:xfrm>
+            <a:off x="4512926" y="4748749"/>
+            <a:ext cx="1515158" cy="184666"/>
+          </a:xfrm>
+          <a:prstGeom prst="rect">
+            <a:avLst/>
+          </a:prstGeom>
+          <a:noFill/>
+        </p:spPr>
+        <p:txBody>
+          <a:bodyPr wrap="none" lIns="91440" tIns="45720" rIns="91440" bIns="45720">
+            <a:spAutoFit/>
+          </a:bodyPr>
+          <a:lstStyle/>
+          <a:p>
+            <a:pPr algn="ctr"/>
+            <a:r>
+              <a:rPr lang="en-US" altLang="zh-TW" sz="600" b="1" i="1" dirty="0">
+                <a:solidFill>
+                  <a:srgbClr val="FFFF66"/>
+                </a:solidFill>
+                <a:latin typeface="Inter" panose="02000503000000020004" pitchFamily="2" charset="0"/>
+                <a:ea typeface="Inter" panose="02000503000000020004" pitchFamily="2" charset="0"/>
+              </a:rPr>
+              <a:t>Innovative  </a:t>
+            </a:r>
+            <a:r>
+              <a:rPr lang="zh-TW" altLang="en-US" sz="600" b="1" i="1" dirty="0">
+                <a:solidFill>
+                  <a:srgbClr val="FFFF66"/>
+                </a:solidFill>
+                <a:latin typeface="Inter" panose="02000503000000020004" pitchFamily="2" charset="0"/>
+              </a:rPr>
+              <a:t>●</a:t>
+            </a:r>
+            <a:r>
+              <a:rPr lang="en-US" altLang="zh-TW" sz="600" b="1" i="1" dirty="0">
+                <a:solidFill>
+                  <a:srgbClr val="FFFF66"/>
+                </a:solidFill>
+                <a:latin typeface="Inter" panose="02000503000000020004" pitchFamily="2" charset="0"/>
+                <a:ea typeface="Inter" panose="02000503000000020004" pitchFamily="2" charset="0"/>
+              </a:rPr>
+              <a:t>  Efficient  </a:t>
+            </a:r>
+            <a:r>
+              <a:rPr lang="zh-TW" altLang="en-US" sz="600" b="1" i="1" dirty="0">
+                <a:solidFill>
+                  <a:srgbClr val="FFFF66"/>
+                </a:solidFill>
+                <a:latin typeface="Inter" panose="02000503000000020004" pitchFamily="2" charset="0"/>
+              </a:rPr>
+              <a:t>●</a:t>
+            </a:r>
+            <a:r>
+              <a:rPr lang="en-US" altLang="zh-TW" sz="600" b="1" i="1" dirty="0">
+                <a:solidFill>
+                  <a:srgbClr val="FFFF66"/>
+                </a:solidFill>
+                <a:latin typeface="Inter" panose="02000503000000020004" pitchFamily="2" charset="0"/>
+                <a:ea typeface="Inter" panose="02000503000000020004" pitchFamily="2" charset="0"/>
+              </a:rPr>
+              <a:t>   Reliable</a:t>
+            </a:r>
+            <a:endParaRPr lang="zh-TW" altLang="en-US" sz="600" b="1" i="1" cap="none" spc="0" dirty="0">
+              <a:ln w="10160">
+                <a:solidFill>
+                  <a:schemeClr val="accent5"/>
+                </a:solidFill>
+                <a:prstDash val="solid"/>
+              </a:ln>
+              <a:solidFill>
+                <a:srgbClr val="FFFF66"/>
+              </a:solidFill>
+              <a:effectLst>
+                <a:outerShdw blurRad="38100" dist="22860" dir="5400000" algn="tl" rotWithShape="0">
+                  <a:srgbClr val="000000">
+                    <a:alpha val="30000"/>
+                  </a:srgbClr>
+                </a:outerShdw>
+              </a:effectLst>
+              <a:latin typeface="Inter" panose="02000503000000020004" pitchFamily="2" charset="0"/>
+            </a:endParaRPr>
+          </a:p>
+        </p:txBody>
+      </p:sp>
+    </p:spTree>
+    <p:extLst>
+      <p:ext uri="{BB962C8B-B14F-4D97-AF65-F5344CB8AC3E}">
+        <p14:creationId xmlns:p14="http://schemas.microsoft.com/office/powerpoint/2010/main" val="29545023"/>
+      </p:ext>
+    </p:extLst>
+  </p:cSld>
+  <p:clrMapOvr>
+    <a:masterClrMapping/>
+  </p:clrMapOvr>
+</p:sld>
+</file>
+
+<file path=ppt/slides/slide6.xml><?xml version="1.0" encoding="utf-8"?>
+<p:sld xmlns:a="http://schemas.openxmlformats.org/drawingml/2006/main" xmlns:r="http://schemas.openxmlformats.org/officeDocument/2006/relationships" xmlns:p="http://schemas.openxmlformats.org/presentationml/2006/main">
+  <p:cSld>
+    <p:spTree>
+      <p:nvGrpSpPr>
+        <p:cNvPr id="1" name="">
+          <a:extLst>
+            <a:ext uri="{FF2B5EF4-FFF2-40B4-BE49-F238E27FC236}">
+              <a16:creationId xmlns:a16="http://schemas.microsoft.com/office/drawing/2014/main" id="{B75D7B34-15DF-4C07-EA1B-87E6E2FCDD39}"/>
+            </a:ext>
+          </a:extLst>
+        </p:cNvPr>
+        <p:cNvGrpSpPr/>
+        <p:nvPr/>
+      </p:nvGrpSpPr>
+      <p:grpSpPr>
+        <a:xfrm>
+          <a:off x="0" y="0"/>
+          <a:ext cx="0" cy="0"/>
+          <a:chOff x="0" y="0"/>
+          <a:chExt cx="0" cy="0"/>
+        </a:xfrm>
+      </p:grpSpPr>
+      <p:pic>
+        <p:nvPicPr>
+          <p:cNvPr id="5" name="圖片 4">
+            <a:extLst>
+              <a:ext uri="{FF2B5EF4-FFF2-40B4-BE49-F238E27FC236}">
+                <a16:creationId xmlns:a16="http://schemas.microsoft.com/office/drawing/2014/main" id="{7B1B4103-3BD2-5AA4-374F-080C8B3CA65A}"/>
+              </a:ext>
+            </a:extLst>
+          </p:cNvPr>
+          <p:cNvPicPr>
+            <a:picLocks noChangeAspect="1"/>
+          </p:cNvPicPr>
+          <p:nvPr/>
+        </p:nvPicPr>
+        <p:blipFill>
+          <a:blip r:embed="rId2"/>
+          <a:stretch>
+            <a:fillRect/>
+          </a:stretch>
+        </p:blipFill>
+        <p:spPr>
+          <a:xfrm>
+            <a:off x="2428240" y="-411480"/>
+            <a:ext cx="6858000" cy="6858000"/>
+          </a:xfrm>
+          <a:prstGeom prst="rect">
+            <a:avLst/>
+          </a:prstGeom>
+        </p:spPr>
+      </p:pic>
+      <p:sp>
+        <p:nvSpPr>
+          <p:cNvPr id="2" name="矩形 1">
+            <a:extLst>
+              <a:ext uri="{FF2B5EF4-FFF2-40B4-BE49-F238E27FC236}">
+                <a16:creationId xmlns:a16="http://schemas.microsoft.com/office/drawing/2014/main" id="{F0BD158E-513B-3C56-AA36-8EFB42791D66}"/>
+              </a:ext>
+            </a:extLst>
+          </p:cNvPr>
+          <p:cNvSpPr/>
+          <p:nvPr/>
+        </p:nvSpPr>
+        <p:spPr>
+          <a:xfrm>
+            <a:off x="4311560" y="4353517"/>
+            <a:ext cx="1612942" cy="184666"/>
+          </a:xfrm>
+          <a:prstGeom prst="rect">
+            <a:avLst/>
+          </a:prstGeom>
+          <a:noFill/>
+        </p:spPr>
+        <p:txBody>
+          <a:bodyPr wrap="none" lIns="91440" tIns="45720" rIns="91440" bIns="45720">
+            <a:spAutoFit/>
+          </a:bodyPr>
+          <a:lstStyle/>
+          <a:p>
+            <a:pPr algn="ctr"/>
+            <a:r>
+              <a:rPr lang="en-US" altLang="zh-TW" sz="600" b="1" i="1" dirty="0">
+                <a:solidFill>
+                  <a:srgbClr val="FFFF66"/>
+                </a:solidFill>
+                <a:effectLst>
+                  <a:outerShdw blurRad="50800" dist="38100" dir="2700000" algn="tl" rotWithShape="0">
+                    <a:prstClr val="black">
+                      <a:alpha val="40000"/>
+                    </a:prstClr>
+                  </a:outerShdw>
+                </a:effectLst>
+                <a:latin typeface="Inter" panose="02000503000000020004" pitchFamily="2" charset="0"/>
+                <a:ea typeface="Inter" panose="02000503000000020004" pitchFamily="2" charset="0"/>
+              </a:rPr>
+              <a:t>Innovation</a:t>
+            </a:r>
+            <a:r>
+              <a:rPr lang="zh-TW" altLang="en-US" sz="600" b="1" i="1" dirty="0">
+                <a:solidFill>
+                  <a:srgbClr val="FFFF66"/>
+                </a:solidFill>
+                <a:effectLst>
+                  <a:outerShdw blurRad="50800" dist="38100" dir="2700000" algn="tl" rotWithShape="0">
+                    <a:prstClr val="black">
+                      <a:alpha val="40000"/>
+                    </a:prstClr>
+                  </a:outerShdw>
+                </a:effectLst>
+                <a:latin typeface="Inter" panose="02000503000000020004" pitchFamily="2" charset="0"/>
+              </a:rPr>
+              <a:t> </a:t>
+            </a:r>
+            <a:r>
+              <a:rPr lang="en-US" altLang="zh-TW" sz="600" b="1" i="1" dirty="0">
+                <a:solidFill>
+                  <a:srgbClr val="FFFF66"/>
+                </a:solidFill>
+                <a:effectLst>
+                  <a:outerShdw blurRad="50800" dist="38100" dir="2700000" algn="tl" rotWithShape="0">
+                    <a:prstClr val="black">
+                      <a:alpha val="40000"/>
+                    </a:prstClr>
+                  </a:outerShdw>
+                </a:effectLst>
+                <a:latin typeface="Inter" panose="02000503000000020004" pitchFamily="2" charset="0"/>
+                <a:ea typeface="Inter" panose="02000503000000020004" pitchFamily="2" charset="0"/>
+              </a:rPr>
+              <a:t>*</a:t>
+            </a:r>
+            <a:r>
+              <a:rPr lang="zh-TW" altLang="en-US" sz="600" b="1" i="1" dirty="0">
+                <a:solidFill>
+                  <a:srgbClr val="FFFF66"/>
+                </a:solidFill>
+                <a:effectLst>
+                  <a:outerShdw blurRad="50800" dist="38100" dir="2700000" algn="tl" rotWithShape="0">
+                    <a:prstClr val="black">
+                      <a:alpha val="40000"/>
+                    </a:prstClr>
+                  </a:outerShdw>
+                </a:effectLst>
+                <a:latin typeface="Inter" panose="02000503000000020004" pitchFamily="2" charset="0"/>
+              </a:rPr>
+              <a:t> </a:t>
+            </a:r>
+            <a:r>
+              <a:rPr lang="en-US" altLang="zh-TW" sz="600" b="1" i="1" dirty="0">
+                <a:solidFill>
+                  <a:srgbClr val="FFFF66"/>
+                </a:solidFill>
+                <a:effectLst>
+                  <a:outerShdw blurRad="50800" dist="38100" dir="2700000" algn="tl" rotWithShape="0">
+                    <a:prstClr val="black">
+                      <a:alpha val="40000"/>
+                    </a:prstClr>
+                  </a:outerShdw>
+                </a:effectLst>
+                <a:latin typeface="Inter" panose="02000503000000020004" pitchFamily="2" charset="0"/>
+                <a:ea typeface="Inter" panose="02000503000000020004" pitchFamily="2" charset="0"/>
+              </a:rPr>
+              <a:t>Integration</a:t>
+            </a:r>
+            <a:r>
+              <a:rPr lang="zh-TW" altLang="en-US" sz="600" b="1" i="1" dirty="0">
+                <a:solidFill>
+                  <a:srgbClr val="FFFF66"/>
+                </a:solidFill>
+                <a:effectLst>
+                  <a:outerShdw blurRad="50800" dist="38100" dir="2700000" algn="tl" rotWithShape="0">
+                    <a:prstClr val="black">
+                      <a:alpha val="40000"/>
+                    </a:prstClr>
+                  </a:outerShdw>
+                </a:effectLst>
+                <a:latin typeface="Inter" panose="02000503000000020004" pitchFamily="2" charset="0"/>
+              </a:rPr>
+              <a:t> </a:t>
+            </a:r>
+            <a:r>
+              <a:rPr lang="en-US" altLang="zh-TW" sz="600" b="1" i="1" dirty="0">
+                <a:solidFill>
+                  <a:srgbClr val="FFFF66"/>
+                </a:solidFill>
+                <a:effectLst>
+                  <a:outerShdw blurRad="50800" dist="38100" dir="2700000" algn="tl" rotWithShape="0">
+                    <a:prstClr val="black">
+                      <a:alpha val="40000"/>
+                    </a:prstClr>
+                  </a:outerShdw>
+                </a:effectLst>
+                <a:latin typeface="Inter" panose="02000503000000020004" pitchFamily="2" charset="0"/>
+                <a:ea typeface="Inter" panose="02000503000000020004" pitchFamily="2" charset="0"/>
+              </a:rPr>
+              <a:t>*</a:t>
+            </a:r>
+            <a:r>
+              <a:rPr lang="zh-TW" altLang="en-US" sz="600" b="1" i="1" dirty="0">
+                <a:solidFill>
+                  <a:srgbClr val="FFFF66"/>
+                </a:solidFill>
+                <a:effectLst>
+                  <a:outerShdw blurRad="50800" dist="38100" dir="2700000" algn="tl" rotWithShape="0">
+                    <a:prstClr val="black">
+                      <a:alpha val="40000"/>
+                    </a:prstClr>
+                  </a:outerShdw>
+                </a:effectLst>
+                <a:latin typeface="Inter" panose="02000503000000020004" pitchFamily="2" charset="0"/>
+              </a:rPr>
+              <a:t> </a:t>
+            </a:r>
+            <a:r>
+              <a:rPr lang="en-US" altLang="zh-TW" sz="600" b="1" i="1" dirty="0">
+                <a:solidFill>
+                  <a:srgbClr val="FFFF66"/>
+                </a:solidFill>
+                <a:effectLst>
+                  <a:outerShdw blurRad="50800" dist="38100" dir="2700000" algn="tl" rotWithShape="0">
+                    <a:prstClr val="black">
+                      <a:alpha val="40000"/>
+                    </a:prstClr>
+                  </a:outerShdw>
+                </a:effectLst>
+                <a:latin typeface="Inter" panose="02000503000000020004" pitchFamily="2" charset="0"/>
+                <a:ea typeface="Inter" panose="02000503000000020004" pitchFamily="2" charset="0"/>
+              </a:rPr>
+              <a:t>Intelligence </a:t>
+            </a:r>
+            <a:endParaRPr lang="zh-TW" altLang="en-US" sz="600" b="1" i="1" cap="none" spc="0" dirty="0">
+              <a:ln w="10160">
+                <a:solidFill>
+                  <a:schemeClr val="accent5"/>
+                </a:solidFill>
+                <a:prstDash val="solid"/>
+              </a:ln>
+              <a:solidFill>
+                <a:srgbClr val="FFFF66"/>
+              </a:solidFill>
+              <a:effectLst>
+                <a:outerShdw blurRad="50800" dist="38100" dir="2700000" algn="tl" rotWithShape="0">
+                  <a:prstClr val="black">
+                    <a:alpha val="40000"/>
+                  </a:prstClr>
+                </a:outerShdw>
+              </a:effectLst>
+              <a:latin typeface="Inter" panose="02000503000000020004" pitchFamily="2" charset="0"/>
+            </a:endParaRPr>
+          </a:p>
+        </p:txBody>
+      </p:sp>
+    </p:spTree>
+    <p:extLst>
+      <p:ext uri="{BB962C8B-B14F-4D97-AF65-F5344CB8AC3E}">
+        <p14:creationId xmlns:p14="http://schemas.microsoft.com/office/powerpoint/2010/main" val="245775354"/>
+      </p:ext>
+    </p:extLst>
+  </p:cSld>
+  <p:clrMapOvr>
+    <a:masterClrMapping/>
+  </p:clrMapOvr>
+</p:sld>
+</file>
+
 <file path=ppt/theme/theme1.xml><?xml version="1.0" encoding="utf-8"?>
 <a:theme xmlns:a="http://schemas.openxmlformats.org/drawingml/2006/main" name="Office 佈景主題">
   <a:themeElements>
